--- a/ppts/人类大脑面部处理网络的连接组学研究.pptx
+++ b/ppts/人类大脑面部处理网络的连接组学研究.pptx
@@ -2458,7 +2458,7 @@
         </p:blipFill>
         <p:spPr>
           <a:xfrm>
-            <a:off x="0" y="0"/>
+            <a:off x="0" y="7620"/>
             <a:ext cx="9144000" cy="5143500"/>
           </a:xfrm>
           <a:prstGeom prst="rect">
